--- a/Week-1/flowchart calculation.pptx
+++ b/Week-1/flowchart calculation.pptx
@@ -5,9 +5,7 @@
     <p:sldMasterId id="2147483648" r:id="rId1"/>
   </p:sldMasterIdLst>
   <p:sldIdLst>
-    <p:sldId id="256" r:id="rId2"/>
-    <p:sldId id="257" r:id="rId3"/>
-    <p:sldId id="258" r:id="rId4"/>
+    <p:sldId id="258" r:id="rId2"/>
   </p:sldIdLst>
   <p:sldSz cx="12192000" cy="6858000"/>
   <p:notesSz cx="6858000" cy="9144000"/>
@@ -3341,1506 +3339,6 @@
       </p:grpSpPr>
       <p:sp>
         <p:nvSpPr>
-          <p:cNvPr id="4" name="Rectangle 3">
-            <a:extLst>
-              <a:ext uri="{FF2B5EF4-FFF2-40B4-BE49-F238E27FC236}">
-                <a16:creationId xmlns:a16="http://schemas.microsoft.com/office/drawing/2014/main" id="{789A17E1-D7D0-7F4E-B043-5E6AE116E3BA}"/>
-              </a:ext>
-            </a:extLst>
-          </p:cNvPr>
-          <p:cNvSpPr/>
-          <p:nvPr/>
-        </p:nvSpPr>
-        <p:spPr>
-          <a:xfrm>
-            <a:off x="1336431" y="257908"/>
-            <a:ext cx="2872154" cy="785446"/>
-          </a:xfrm>
-          <a:prstGeom prst="rect">
-            <a:avLst/>
-          </a:prstGeom>
-        </p:spPr>
-        <p:style>
-          <a:lnRef idx="2">
-            <a:schemeClr val="accent6"/>
-          </a:lnRef>
-          <a:fillRef idx="1">
-            <a:schemeClr val="lt1"/>
-          </a:fillRef>
-          <a:effectRef idx="0">
-            <a:schemeClr val="accent6"/>
-          </a:effectRef>
-          <a:fontRef idx="minor">
-            <a:schemeClr val="dk1"/>
-          </a:fontRef>
-        </p:style>
-        <p:txBody>
-          <a:bodyPr rtlCol="0" anchor="ctr"/>
-          <a:lstStyle/>
-          <a:p>
-            <a:pPr algn="ctr"/>
-            <a:endParaRPr lang="en-US"/>
-          </a:p>
-        </p:txBody>
-      </p:sp>
-      <p:sp>
-        <p:nvSpPr>
-          <p:cNvPr id="5" name="TextBox 4">
-            <a:extLst>
-              <a:ext uri="{FF2B5EF4-FFF2-40B4-BE49-F238E27FC236}">
-                <a16:creationId xmlns:a16="http://schemas.microsoft.com/office/drawing/2014/main" id="{0E4388F7-AEBD-8944-8B84-4AED06AEB5BE}"/>
-              </a:ext>
-            </a:extLst>
-          </p:cNvPr>
-          <p:cNvSpPr txBox="1"/>
-          <p:nvPr/>
-        </p:nvSpPr>
-        <p:spPr>
-          <a:xfrm>
-            <a:off x="1559169" y="410308"/>
-            <a:ext cx="2461846" cy="369332"/>
-          </a:xfrm>
-          <a:prstGeom prst="rect">
-            <a:avLst/>
-          </a:prstGeom>
-          <a:noFill/>
-        </p:spPr>
-        <p:txBody>
-          <a:bodyPr wrap="square" rtlCol="0">
-            <a:spAutoFit/>
-          </a:bodyPr>
-          <a:lstStyle/>
-          <a:p>
-            <a:pPr algn="ctr"/>
-            <a:r>
-              <a:rPr lang="en-US" dirty="0"/>
-              <a:t>Start</a:t>
-            </a:r>
-          </a:p>
-        </p:txBody>
-      </p:sp>
-      <p:sp>
-        <p:nvSpPr>
-          <p:cNvPr id="6" name="Rectangle 5">
-            <a:extLst>
-              <a:ext uri="{FF2B5EF4-FFF2-40B4-BE49-F238E27FC236}">
-                <a16:creationId xmlns:a16="http://schemas.microsoft.com/office/drawing/2014/main" id="{4DE23AD4-1873-0E46-8E37-27BA43E26EDB}"/>
-              </a:ext>
-            </a:extLst>
-          </p:cNvPr>
-          <p:cNvSpPr/>
-          <p:nvPr/>
-        </p:nvSpPr>
-        <p:spPr>
-          <a:xfrm>
-            <a:off x="1354015" y="1817077"/>
-            <a:ext cx="2872154" cy="785446"/>
-          </a:xfrm>
-          <a:prstGeom prst="rect">
-            <a:avLst/>
-          </a:prstGeom>
-        </p:spPr>
-        <p:style>
-          <a:lnRef idx="2">
-            <a:schemeClr val="accent6"/>
-          </a:lnRef>
-          <a:fillRef idx="1">
-            <a:schemeClr val="lt1"/>
-          </a:fillRef>
-          <a:effectRef idx="0">
-            <a:schemeClr val="accent6"/>
-          </a:effectRef>
-          <a:fontRef idx="minor">
-            <a:schemeClr val="dk1"/>
-          </a:fontRef>
-        </p:style>
-        <p:txBody>
-          <a:bodyPr rtlCol="0" anchor="ctr"/>
-          <a:lstStyle/>
-          <a:p>
-            <a:pPr algn="ctr"/>
-            <a:endParaRPr lang="en-US"/>
-          </a:p>
-        </p:txBody>
-      </p:sp>
-      <p:cxnSp>
-        <p:nvCxnSpPr>
-          <p:cNvPr id="8" name="Straight Arrow Connector 7">
-            <a:extLst>
-              <a:ext uri="{FF2B5EF4-FFF2-40B4-BE49-F238E27FC236}">
-                <a16:creationId xmlns:a16="http://schemas.microsoft.com/office/drawing/2014/main" id="{AF1B8AFD-E015-2544-A883-382497897DE4}"/>
-              </a:ext>
-            </a:extLst>
-          </p:cNvPr>
-          <p:cNvCxnSpPr/>
-          <p:nvPr/>
-        </p:nvCxnSpPr>
-        <p:spPr>
-          <a:xfrm>
-            <a:off x="2772508" y="1195754"/>
-            <a:ext cx="0" cy="515815"/>
-          </a:xfrm>
-          <a:prstGeom prst="straightConnector1">
-            <a:avLst/>
-          </a:prstGeom>
-          <a:ln>
-            <a:tailEnd type="triangle"/>
-          </a:ln>
-        </p:spPr>
-        <p:style>
-          <a:lnRef idx="1">
-            <a:schemeClr val="dk1"/>
-          </a:lnRef>
-          <a:fillRef idx="0">
-            <a:schemeClr val="dk1"/>
-          </a:fillRef>
-          <a:effectRef idx="0">
-            <a:schemeClr val="dk1"/>
-          </a:effectRef>
-          <a:fontRef idx="minor">
-            <a:schemeClr val="tx1"/>
-          </a:fontRef>
-        </p:style>
-      </p:cxnSp>
-      <p:sp>
-        <p:nvSpPr>
-          <p:cNvPr id="9" name="TextBox 8">
-            <a:extLst>
-              <a:ext uri="{FF2B5EF4-FFF2-40B4-BE49-F238E27FC236}">
-                <a16:creationId xmlns:a16="http://schemas.microsoft.com/office/drawing/2014/main" id="{7B9BB9DD-5740-A848-944F-2ECC454A70D2}"/>
-              </a:ext>
-            </a:extLst>
-          </p:cNvPr>
-          <p:cNvSpPr txBox="1"/>
-          <p:nvPr/>
-        </p:nvSpPr>
-        <p:spPr>
-          <a:xfrm>
-            <a:off x="1559169" y="1992923"/>
-            <a:ext cx="2555631" cy="369332"/>
-          </a:xfrm>
-          <a:prstGeom prst="rect">
-            <a:avLst/>
-          </a:prstGeom>
-          <a:noFill/>
-        </p:spPr>
-        <p:txBody>
-          <a:bodyPr wrap="square" rtlCol="0">
-            <a:spAutoFit/>
-          </a:bodyPr>
-          <a:lstStyle/>
-          <a:p>
-            <a:pPr algn="ctr"/>
-            <a:r>
-              <a:rPr lang="en-US" dirty="0"/>
-              <a:t>Input Principal</a:t>
-            </a:r>
-          </a:p>
-        </p:txBody>
-      </p:sp>
-      <p:sp>
-        <p:nvSpPr>
-          <p:cNvPr id="10" name="Rectangle 9">
-            <a:extLst>
-              <a:ext uri="{FF2B5EF4-FFF2-40B4-BE49-F238E27FC236}">
-                <a16:creationId xmlns:a16="http://schemas.microsoft.com/office/drawing/2014/main" id="{441779FE-0573-F04E-9A33-5F1AC0C8250D}"/>
-              </a:ext>
-            </a:extLst>
-          </p:cNvPr>
-          <p:cNvSpPr/>
-          <p:nvPr/>
-        </p:nvSpPr>
-        <p:spPr>
-          <a:xfrm>
-            <a:off x="1336431" y="3376246"/>
-            <a:ext cx="2872154" cy="785446"/>
-          </a:xfrm>
-          <a:prstGeom prst="rect">
-            <a:avLst/>
-          </a:prstGeom>
-        </p:spPr>
-        <p:style>
-          <a:lnRef idx="2">
-            <a:schemeClr val="accent6"/>
-          </a:lnRef>
-          <a:fillRef idx="1">
-            <a:schemeClr val="lt1"/>
-          </a:fillRef>
-          <a:effectRef idx="0">
-            <a:schemeClr val="accent6"/>
-          </a:effectRef>
-          <a:fontRef idx="minor">
-            <a:schemeClr val="dk1"/>
-          </a:fontRef>
-        </p:style>
-        <p:txBody>
-          <a:bodyPr rtlCol="0" anchor="ctr"/>
-          <a:lstStyle/>
-          <a:p>
-            <a:pPr algn="ctr"/>
-            <a:endParaRPr lang="en-US"/>
-          </a:p>
-        </p:txBody>
-      </p:sp>
-      <p:cxnSp>
-        <p:nvCxnSpPr>
-          <p:cNvPr id="11" name="Straight Arrow Connector 10">
-            <a:extLst>
-              <a:ext uri="{FF2B5EF4-FFF2-40B4-BE49-F238E27FC236}">
-                <a16:creationId xmlns:a16="http://schemas.microsoft.com/office/drawing/2014/main" id="{1DB9BE8E-19B4-F44D-A6F3-94B7202055A3}"/>
-              </a:ext>
-            </a:extLst>
-          </p:cNvPr>
-          <p:cNvCxnSpPr/>
-          <p:nvPr/>
-        </p:nvCxnSpPr>
-        <p:spPr>
-          <a:xfrm>
-            <a:off x="2766647" y="2731477"/>
-            <a:ext cx="0" cy="515815"/>
-          </a:xfrm>
-          <a:prstGeom prst="straightConnector1">
-            <a:avLst/>
-          </a:prstGeom>
-          <a:ln>
-            <a:tailEnd type="triangle"/>
-          </a:ln>
-        </p:spPr>
-        <p:style>
-          <a:lnRef idx="1">
-            <a:schemeClr val="dk1"/>
-          </a:lnRef>
-          <a:fillRef idx="0">
-            <a:schemeClr val="dk1"/>
-          </a:fillRef>
-          <a:effectRef idx="0">
-            <a:schemeClr val="dk1"/>
-          </a:effectRef>
-          <a:fontRef idx="minor">
-            <a:schemeClr val="tx1"/>
-          </a:fontRef>
-        </p:style>
-      </p:cxnSp>
-      <p:sp>
-        <p:nvSpPr>
-          <p:cNvPr id="12" name="TextBox 11">
-            <a:extLst>
-              <a:ext uri="{FF2B5EF4-FFF2-40B4-BE49-F238E27FC236}">
-                <a16:creationId xmlns:a16="http://schemas.microsoft.com/office/drawing/2014/main" id="{D80C266F-F97D-184E-BDED-1FC4F1A63B3D}"/>
-              </a:ext>
-            </a:extLst>
-          </p:cNvPr>
-          <p:cNvSpPr txBox="1"/>
-          <p:nvPr/>
-        </p:nvSpPr>
-        <p:spPr>
-          <a:xfrm>
-            <a:off x="1465384" y="3584303"/>
-            <a:ext cx="2555631" cy="369332"/>
-          </a:xfrm>
-          <a:prstGeom prst="rect">
-            <a:avLst/>
-          </a:prstGeom>
-          <a:noFill/>
-        </p:spPr>
-        <p:txBody>
-          <a:bodyPr wrap="square" rtlCol="0">
-            <a:spAutoFit/>
-          </a:bodyPr>
-          <a:lstStyle/>
-          <a:p>
-            <a:pPr algn="ctr"/>
-            <a:r>
-              <a:rPr lang="en-US" dirty="0"/>
-              <a:t>Input rate</a:t>
-            </a:r>
-          </a:p>
-        </p:txBody>
-      </p:sp>
-      <p:sp>
-        <p:nvSpPr>
-          <p:cNvPr id="14" name="Rectangle 13">
-            <a:extLst>
-              <a:ext uri="{FF2B5EF4-FFF2-40B4-BE49-F238E27FC236}">
-                <a16:creationId xmlns:a16="http://schemas.microsoft.com/office/drawing/2014/main" id="{5DC4D830-B74C-CD4F-B727-8526B5EA4FF1}"/>
-              </a:ext>
-            </a:extLst>
-          </p:cNvPr>
-          <p:cNvSpPr/>
-          <p:nvPr/>
-        </p:nvSpPr>
-        <p:spPr>
-          <a:xfrm>
-            <a:off x="1307122" y="4853353"/>
-            <a:ext cx="2872154" cy="785446"/>
-          </a:xfrm>
-          <a:prstGeom prst="rect">
-            <a:avLst/>
-          </a:prstGeom>
-        </p:spPr>
-        <p:style>
-          <a:lnRef idx="2">
-            <a:schemeClr val="accent6"/>
-          </a:lnRef>
-          <a:fillRef idx="1">
-            <a:schemeClr val="lt1"/>
-          </a:fillRef>
-          <a:effectRef idx="0">
-            <a:schemeClr val="accent6"/>
-          </a:effectRef>
-          <a:fontRef idx="minor">
-            <a:schemeClr val="dk1"/>
-          </a:fontRef>
-        </p:style>
-        <p:txBody>
-          <a:bodyPr rtlCol="0" anchor="ctr"/>
-          <a:lstStyle/>
-          <a:p>
-            <a:pPr algn="ctr"/>
-            <a:endParaRPr lang="en-US"/>
-          </a:p>
-        </p:txBody>
-      </p:sp>
-      <p:cxnSp>
-        <p:nvCxnSpPr>
-          <p:cNvPr id="15" name="Straight Arrow Connector 14">
-            <a:extLst>
-              <a:ext uri="{FF2B5EF4-FFF2-40B4-BE49-F238E27FC236}">
-                <a16:creationId xmlns:a16="http://schemas.microsoft.com/office/drawing/2014/main" id="{4C309F02-2671-754A-B578-78FF326B0A9F}"/>
-              </a:ext>
-            </a:extLst>
-          </p:cNvPr>
-          <p:cNvCxnSpPr/>
-          <p:nvPr/>
-        </p:nvCxnSpPr>
-        <p:spPr>
-          <a:xfrm>
-            <a:off x="2731477" y="4243754"/>
-            <a:ext cx="0" cy="515815"/>
-          </a:xfrm>
-          <a:prstGeom prst="straightConnector1">
-            <a:avLst/>
-          </a:prstGeom>
-          <a:ln>
-            <a:tailEnd type="triangle"/>
-          </a:ln>
-        </p:spPr>
-        <p:style>
-          <a:lnRef idx="1">
-            <a:schemeClr val="dk1"/>
-          </a:lnRef>
-          <a:fillRef idx="0">
-            <a:schemeClr val="dk1"/>
-          </a:fillRef>
-          <a:effectRef idx="0">
-            <a:schemeClr val="dk1"/>
-          </a:effectRef>
-          <a:fontRef idx="minor">
-            <a:schemeClr val="tx1"/>
-          </a:fontRef>
-        </p:style>
-      </p:cxnSp>
-      <p:sp>
-        <p:nvSpPr>
-          <p:cNvPr id="16" name="TextBox 15">
-            <a:extLst>
-              <a:ext uri="{FF2B5EF4-FFF2-40B4-BE49-F238E27FC236}">
-                <a16:creationId xmlns:a16="http://schemas.microsoft.com/office/drawing/2014/main" id="{92C0C53D-1B17-BA44-A6B3-C99F85FF7A1E}"/>
-              </a:ext>
-            </a:extLst>
-          </p:cNvPr>
-          <p:cNvSpPr txBox="1"/>
-          <p:nvPr/>
-        </p:nvSpPr>
-        <p:spPr>
-          <a:xfrm>
-            <a:off x="1465384" y="5081898"/>
-            <a:ext cx="2555631" cy="369332"/>
-          </a:xfrm>
-          <a:prstGeom prst="rect">
-            <a:avLst/>
-          </a:prstGeom>
-          <a:noFill/>
-        </p:spPr>
-        <p:txBody>
-          <a:bodyPr wrap="square" rtlCol="0">
-            <a:spAutoFit/>
-          </a:bodyPr>
-          <a:lstStyle/>
-          <a:p>
-            <a:pPr algn="ctr"/>
-            <a:r>
-              <a:rPr lang="en-US" dirty="0"/>
-              <a:t>Input time</a:t>
-            </a:r>
-          </a:p>
-        </p:txBody>
-      </p:sp>
-      <p:sp>
-        <p:nvSpPr>
-          <p:cNvPr id="17" name="Rectangle 16">
-            <a:extLst>
-              <a:ext uri="{FF2B5EF4-FFF2-40B4-BE49-F238E27FC236}">
-                <a16:creationId xmlns:a16="http://schemas.microsoft.com/office/drawing/2014/main" id="{4F3E8377-DF26-9945-86EC-A6AA458DF0B8}"/>
-              </a:ext>
-            </a:extLst>
-          </p:cNvPr>
-          <p:cNvSpPr/>
-          <p:nvPr/>
-        </p:nvSpPr>
-        <p:spPr>
-          <a:xfrm>
-            <a:off x="1242646" y="6072554"/>
-            <a:ext cx="2872154" cy="785446"/>
-          </a:xfrm>
-          <a:prstGeom prst="rect">
-            <a:avLst/>
-          </a:prstGeom>
-        </p:spPr>
-        <p:style>
-          <a:lnRef idx="2">
-            <a:schemeClr val="accent6"/>
-          </a:lnRef>
-          <a:fillRef idx="1">
-            <a:schemeClr val="lt1"/>
-          </a:fillRef>
-          <a:effectRef idx="0">
-            <a:schemeClr val="accent6"/>
-          </a:effectRef>
-          <a:fontRef idx="minor">
-            <a:schemeClr val="dk1"/>
-          </a:fontRef>
-        </p:style>
-        <p:txBody>
-          <a:bodyPr rtlCol="0" anchor="ctr"/>
-          <a:lstStyle/>
-          <a:p>
-            <a:pPr algn="ctr"/>
-            <a:endParaRPr lang="en-US"/>
-          </a:p>
-        </p:txBody>
-      </p:sp>
-      <p:cxnSp>
-        <p:nvCxnSpPr>
-          <p:cNvPr id="19" name="Straight Arrow Connector 18">
-            <a:extLst>
-              <a:ext uri="{FF2B5EF4-FFF2-40B4-BE49-F238E27FC236}">
-                <a16:creationId xmlns:a16="http://schemas.microsoft.com/office/drawing/2014/main" id="{8C04CCDB-EEB4-C344-8B11-3EFA6ACC8343}"/>
-              </a:ext>
-            </a:extLst>
-          </p:cNvPr>
-          <p:cNvCxnSpPr/>
-          <p:nvPr/>
-        </p:nvCxnSpPr>
-        <p:spPr>
-          <a:xfrm>
-            <a:off x="2731477" y="5767754"/>
-            <a:ext cx="0" cy="199292"/>
-          </a:xfrm>
-          <a:prstGeom prst="straightConnector1">
-            <a:avLst/>
-          </a:prstGeom>
-          <a:ln>
-            <a:tailEnd type="triangle"/>
-          </a:ln>
-        </p:spPr>
-        <p:style>
-          <a:lnRef idx="1">
-            <a:schemeClr val="dk1"/>
-          </a:lnRef>
-          <a:fillRef idx="0">
-            <a:schemeClr val="dk1"/>
-          </a:fillRef>
-          <a:effectRef idx="0">
-            <a:schemeClr val="dk1"/>
-          </a:effectRef>
-          <a:fontRef idx="minor">
-            <a:schemeClr val="tx1"/>
-          </a:fontRef>
-        </p:style>
-      </p:cxnSp>
-      <p:sp>
-        <p:nvSpPr>
-          <p:cNvPr id="21" name="TextBox 20">
-            <a:extLst>
-              <a:ext uri="{FF2B5EF4-FFF2-40B4-BE49-F238E27FC236}">
-                <a16:creationId xmlns:a16="http://schemas.microsoft.com/office/drawing/2014/main" id="{7B327381-7758-7243-8FA5-88E60C620E5F}"/>
-              </a:ext>
-            </a:extLst>
-          </p:cNvPr>
-          <p:cNvSpPr txBox="1"/>
-          <p:nvPr/>
-        </p:nvSpPr>
-        <p:spPr>
-          <a:xfrm>
-            <a:off x="1523999" y="6129101"/>
-            <a:ext cx="2555631" cy="646331"/>
-          </a:xfrm>
-          <a:prstGeom prst="rect">
-            <a:avLst/>
-          </a:prstGeom>
-          <a:noFill/>
-        </p:spPr>
-        <p:txBody>
-          <a:bodyPr wrap="square" rtlCol="0">
-            <a:spAutoFit/>
-          </a:bodyPr>
-          <a:lstStyle/>
-          <a:p>
-            <a:r>
-              <a:rPr lang="en-US" dirty="0"/>
-              <a:t>Calculate SI = P(1+(r/100)T</a:t>
-            </a:r>
-          </a:p>
-        </p:txBody>
-      </p:sp>
-      <p:sp>
-        <p:nvSpPr>
-          <p:cNvPr id="22" name="Rectangle 21">
-            <a:extLst>
-              <a:ext uri="{FF2B5EF4-FFF2-40B4-BE49-F238E27FC236}">
-                <a16:creationId xmlns:a16="http://schemas.microsoft.com/office/drawing/2014/main" id="{8AD3393C-0209-354A-AC52-5C9233D4FA74}"/>
-              </a:ext>
-            </a:extLst>
-          </p:cNvPr>
-          <p:cNvSpPr/>
-          <p:nvPr/>
-        </p:nvSpPr>
-        <p:spPr>
-          <a:xfrm>
-            <a:off x="5251939" y="6072554"/>
-            <a:ext cx="2872154" cy="785446"/>
-          </a:xfrm>
-          <a:prstGeom prst="rect">
-            <a:avLst/>
-          </a:prstGeom>
-        </p:spPr>
-        <p:style>
-          <a:lnRef idx="2">
-            <a:schemeClr val="accent6"/>
-          </a:lnRef>
-          <a:fillRef idx="1">
-            <a:schemeClr val="lt1"/>
-          </a:fillRef>
-          <a:effectRef idx="0">
-            <a:schemeClr val="accent6"/>
-          </a:effectRef>
-          <a:fontRef idx="minor">
-            <a:schemeClr val="dk1"/>
-          </a:fontRef>
-        </p:style>
-        <p:txBody>
-          <a:bodyPr rtlCol="0" anchor="ctr"/>
-          <a:lstStyle/>
-          <a:p>
-            <a:pPr algn="ctr"/>
-            <a:endParaRPr lang="en-US"/>
-          </a:p>
-        </p:txBody>
-      </p:sp>
-      <p:cxnSp>
-        <p:nvCxnSpPr>
-          <p:cNvPr id="25" name="Straight Arrow Connector 24">
-            <a:extLst>
-              <a:ext uri="{FF2B5EF4-FFF2-40B4-BE49-F238E27FC236}">
-                <a16:creationId xmlns:a16="http://schemas.microsoft.com/office/drawing/2014/main" id="{8DA5F430-0FA1-0F46-91E1-38B47EC32F74}"/>
-              </a:ext>
-            </a:extLst>
-          </p:cNvPr>
-          <p:cNvCxnSpPr/>
-          <p:nvPr/>
-        </p:nvCxnSpPr>
-        <p:spPr>
-          <a:xfrm>
-            <a:off x="4226169" y="6495419"/>
-            <a:ext cx="826477" cy="0"/>
-          </a:xfrm>
-          <a:prstGeom prst="straightConnector1">
-            <a:avLst/>
-          </a:prstGeom>
-          <a:ln>
-            <a:tailEnd type="triangle"/>
-          </a:ln>
-        </p:spPr>
-        <p:style>
-          <a:lnRef idx="1">
-            <a:schemeClr val="dk1"/>
-          </a:lnRef>
-          <a:fillRef idx="0">
-            <a:schemeClr val="dk1"/>
-          </a:fillRef>
-          <a:effectRef idx="0">
-            <a:schemeClr val="dk1"/>
-          </a:effectRef>
-          <a:fontRef idx="minor">
-            <a:schemeClr val="tx1"/>
-          </a:fontRef>
-        </p:style>
-      </p:cxnSp>
-      <p:sp>
-        <p:nvSpPr>
-          <p:cNvPr id="26" name="TextBox 25">
-            <a:extLst>
-              <a:ext uri="{FF2B5EF4-FFF2-40B4-BE49-F238E27FC236}">
-                <a16:creationId xmlns:a16="http://schemas.microsoft.com/office/drawing/2014/main" id="{9C4D329F-449F-3C40-8F71-2C7E7D1A4B71}"/>
-              </a:ext>
-            </a:extLst>
-          </p:cNvPr>
-          <p:cNvSpPr txBox="1"/>
-          <p:nvPr/>
-        </p:nvSpPr>
-        <p:spPr>
-          <a:xfrm>
-            <a:off x="5410200" y="6310753"/>
-            <a:ext cx="2555631" cy="369332"/>
-          </a:xfrm>
-          <a:prstGeom prst="rect">
-            <a:avLst/>
-          </a:prstGeom>
-          <a:noFill/>
-        </p:spPr>
-        <p:txBody>
-          <a:bodyPr wrap="square" rtlCol="0">
-            <a:spAutoFit/>
-          </a:bodyPr>
-          <a:lstStyle/>
-          <a:p>
-            <a:pPr algn="ctr"/>
-            <a:r>
-              <a:rPr lang="en-US" dirty="0"/>
-              <a:t>End</a:t>
-            </a:r>
-          </a:p>
-        </p:txBody>
-      </p:sp>
-    </p:spTree>
-    <p:extLst>
-      <p:ext uri="{BB962C8B-B14F-4D97-AF65-F5344CB8AC3E}">
-        <p14:creationId xmlns:p14="http://schemas.microsoft.com/office/powerpoint/2010/main" val="2624012003"/>
-      </p:ext>
-    </p:extLst>
-  </p:cSld>
-  <p:clrMapOvr>
-    <a:masterClrMapping/>
-  </p:clrMapOvr>
-</p:sld>
-</file>
-
-<file path=ppt/slides/slide2.xml><?xml version="1.0" encoding="utf-8"?>
-<p:sld xmlns:a="http://schemas.openxmlformats.org/drawingml/2006/main" xmlns:r="http://schemas.openxmlformats.org/officeDocument/2006/relationships" xmlns:p="http://schemas.openxmlformats.org/presentationml/2006/main">
-  <p:cSld>
-    <p:spTree>
-      <p:nvGrpSpPr>
-        <p:cNvPr id="1" name=""/>
-        <p:cNvGrpSpPr/>
-        <p:nvPr/>
-      </p:nvGrpSpPr>
-      <p:grpSpPr>
-        <a:xfrm>
-          <a:off x="0" y="0"/>
-          <a:ext cx="0" cy="0"/>
-          <a:chOff x="0" y="0"/>
-          <a:chExt cx="0" cy="0"/>
-        </a:xfrm>
-      </p:grpSpPr>
-      <p:sp>
-        <p:nvSpPr>
-          <p:cNvPr id="5" name="Rectangle 4">
-            <a:extLst>
-              <a:ext uri="{FF2B5EF4-FFF2-40B4-BE49-F238E27FC236}">
-                <a16:creationId xmlns:a16="http://schemas.microsoft.com/office/drawing/2014/main" id="{F2E4A919-0585-7446-BE41-274C7A122584}"/>
-              </a:ext>
-            </a:extLst>
-          </p:cNvPr>
-          <p:cNvSpPr/>
-          <p:nvPr/>
-        </p:nvSpPr>
-        <p:spPr>
-          <a:xfrm>
-            <a:off x="1031631" y="199292"/>
-            <a:ext cx="2520461" cy="797170"/>
-          </a:xfrm>
-          <a:prstGeom prst="rect">
-            <a:avLst/>
-          </a:prstGeom>
-        </p:spPr>
-        <p:style>
-          <a:lnRef idx="2">
-            <a:schemeClr val="accent6"/>
-          </a:lnRef>
-          <a:fillRef idx="1">
-            <a:schemeClr val="lt1"/>
-          </a:fillRef>
-          <a:effectRef idx="0">
-            <a:schemeClr val="accent6"/>
-          </a:effectRef>
-          <a:fontRef idx="minor">
-            <a:schemeClr val="dk1"/>
-          </a:fontRef>
-        </p:style>
-        <p:txBody>
-          <a:bodyPr rtlCol="0" anchor="ctr"/>
-          <a:lstStyle/>
-          <a:p>
-            <a:pPr algn="ctr"/>
-            <a:endParaRPr lang="en-US"/>
-          </a:p>
-        </p:txBody>
-      </p:sp>
-      <p:sp>
-        <p:nvSpPr>
-          <p:cNvPr id="6" name="Rectangle 5">
-            <a:extLst>
-              <a:ext uri="{FF2B5EF4-FFF2-40B4-BE49-F238E27FC236}">
-                <a16:creationId xmlns:a16="http://schemas.microsoft.com/office/drawing/2014/main" id="{AAC8D8DD-AF5F-BF45-AC30-545CD08C498C}"/>
-              </a:ext>
-            </a:extLst>
-          </p:cNvPr>
-          <p:cNvSpPr/>
-          <p:nvPr/>
-        </p:nvSpPr>
-        <p:spPr>
-          <a:xfrm>
-            <a:off x="1031630" y="1664677"/>
-            <a:ext cx="2520461" cy="797170"/>
-          </a:xfrm>
-          <a:prstGeom prst="rect">
-            <a:avLst/>
-          </a:prstGeom>
-        </p:spPr>
-        <p:style>
-          <a:lnRef idx="2">
-            <a:schemeClr val="accent6"/>
-          </a:lnRef>
-          <a:fillRef idx="1">
-            <a:schemeClr val="lt1"/>
-          </a:fillRef>
-          <a:effectRef idx="0">
-            <a:schemeClr val="accent6"/>
-          </a:effectRef>
-          <a:fontRef idx="minor">
-            <a:schemeClr val="dk1"/>
-          </a:fontRef>
-        </p:style>
-        <p:txBody>
-          <a:bodyPr rtlCol="0" anchor="ctr"/>
-          <a:lstStyle/>
-          <a:p>
-            <a:pPr algn="ctr"/>
-            <a:endParaRPr lang="en-US"/>
-          </a:p>
-        </p:txBody>
-      </p:sp>
-      <p:sp>
-        <p:nvSpPr>
-          <p:cNvPr id="7" name="Rectangle 6">
-            <a:extLst>
-              <a:ext uri="{FF2B5EF4-FFF2-40B4-BE49-F238E27FC236}">
-                <a16:creationId xmlns:a16="http://schemas.microsoft.com/office/drawing/2014/main" id="{E401CF95-56A3-2B40-8B18-66BEC4934F0C}"/>
-              </a:ext>
-            </a:extLst>
-          </p:cNvPr>
-          <p:cNvSpPr/>
-          <p:nvPr/>
-        </p:nvSpPr>
-        <p:spPr>
-          <a:xfrm>
-            <a:off x="8499238" y="5908432"/>
-            <a:ext cx="2520461" cy="797170"/>
-          </a:xfrm>
-          <a:prstGeom prst="rect">
-            <a:avLst/>
-          </a:prstGeom>
-        </p:spPr>
-        <p:style>
-          <a:lnRef idx="2">
-            <a:schemeClr val="accent6"/>
-          </a:lnRef>
-          <a:fillRef idx="1">
-            <a:schemeClr val="lt1"/>
-          </a:fillRef>
-          <a:effectRef idx="0">
-            <a:schemeClr val="accent6"/>
-          </a:effectRef>
-          <a:fontRef idx="minor">
-            <a:schemeClr val="dk1"/>
-          </a:fontRef>
-        </p:style>
-        <p:txBody>
-          <a:bodyPr rtlCol="0" anchor="ctr"/>
-          <a:lstStyle/>
-          <a:p>
-            <a:pPr algn="ctr"/>
-            <a:endParaRPr lang="en-US"/>
-          </a:p>
-        </p:txBody>
-      </p:sp>
-      <p:sp>
-        <p:nvSpPr>
-          <p:cNvPr id="9" name="Rectangle 8">
-            <a:extLst>
-              <a:ext uri="{FF2B5EF4-FFF2-40B4-BE49-F238E27FC236}">
-                <a16:creationId xmlns:a16="http://schemas.microsoft.com/office/drawing/2014/main" id="{CFED7CB6-28F4-994A-9C4C-EB2E1A5E9EA7}"/>
-              </a:ext>
-            </a:extLst>
-          </p:cNvPr>
-          <p:cNvSpPr/>
-          <p:nvPr/>
-        </p:nvSpPr>
-        <p:spPr>
-          <a:xfrm>
-            <a:off x="1031629" y="3130062"/>
-            <a:ext cx="2520461" cy="797170"/>
-          </a:xfrm>
-          <a:prstGeom prst="rect">
-            <a:avLst/>
-          </a:prstGeom>
-        </p:spPr>
-        <p:style>
-          <a:lnRef idx="2">
-            <a:schemeClr val="accent6"/>
-          </a:lnRef>
-          <a:fillRef idx="1">
-            <a:schemeClr val="lt1"/>
-          </a:fillRef>
-          <a:effectRef idx="0">
-            <a:schemeClr val="accent6"/>
-          </a:effectRef>
-          <a:fontRef idx="minor">
-            <a:schemeClr val="dk1"/>
-          </a:fontRef>
-        </p:style>
-        <p:txBody>
-          <a:bodyPr rtlCol="0" anchor="ctr"/>
-          <a:lstStyle/>
-          <a:p>
-            <a:pPr algn="ctr"/>
-            <a:endParaRPr lang="en-US"/>
-          </a:p>
-        </p:txBody>
-      </p:sp>
-      <p:sp>
-        <p:nvSpPr>
-          <p:cNvPr id="10" name="Rectangle 9">
-            <a:extLst>
-              <a:ext uri="{FF2B5EF4-FFF2-40B4-BE49-F238E27FC236}">
-                <a16:creationId xmlns:a16="http://schemas.microsoft.com/office/drawing/2014/main" id="{8BD14230-9083-4245-A5ED-6AA08D34720D}"/>
-              </a:ext>
-            </a:extLst>
-          </p:cNvPr>
-          <p:cNvSpPr/>
-          <p:nvPr/>
-        </p:nvSpPr>
-        <p:spPr>
-          <a:xfrm>
-            <a:off x="1031629" y="4595447"/>
-            <a:ext cx="2520461" cy="797170"/>
-          </a:xfrm>
-          <a:prstGeom prst="rect">
-            <a:avLst/>
-          </a:prstGeom>
-        </p:spPr>
-        <p:style>
-          <a:lnRef idx="2">
-            <a:schemeClr val="accent6"/>
-          </a:lnRef>
-          <a:fillRef idx="1">
-            <a:schemeClr val="lt1"/>
-          </a:fillRef>
-          <a:effectRef idx="0">
-            <a:schemeClr val="accent6"/>
-          </a:effectRef>
-          <a:fontRef idx="minor">
-            <a:schemeClr val="dk1"/>
-          </a:fontRef>
-        </p:style>
-        <p:txBody>
-          <a:bodyPr rtlCol="0" anchor="ctr"/>
-          <a:lstStyle/>
-          <a:p>
-            <a:pPr algn="ctr"/>
-            <a:endParaRPr lang="en-US"/>
-          </a:p>
-        </p:txBody>
-      </p:sp>
-      <p:sp>
-        <p:nvSpPr>
-          <p:cNvPr id="11" name="Rectangle 10">
-            <a:extLst>
-              <a:ext uri="{FF2B5EF4-FFF2-40B4-BE49-F238E27FC236}">
-                <a16:creationId xmlns:a16="http://schemas.microsoft.com/office/drawing/2014/main" id="{F30DB4A6-7CE1-DC4B-8022-2B46100397C7}"/>
-              </a:ext>
-            </a:extLst>
-          </p:cNvPr>
-          <p:cNvSpPr/>
-          <p:nvPr/>
-        </p:nvSpPr>
-        <p:spPr>
-          <a:xfrm>
-            <a:off x="4402011" y="5908432"/>
-            <a:ext cx="2520461" cy="797170"/>
-          </a:xfrm>
-          <a:prstGeom prst="rect">
-            <a:avLst/>
-          </a:prstGeom>
-        </p:spPr>
-        <p:style>
-          <a:lnRef idx="2">
-            <a:schemeClr val="accent6"/>
-          </a:lnRef>
-          <a:fillRef idx="1">
-            <a:schemeClr val="lt1"/>
-          </a:fillRef>
-          <a:effectRef idx="0">
-            <a:schemeClr val="accent6"/>
-          </a:effectRef>
-          <a:fontRef idx="minor">
-            <a:schemeClr val="dk1"/>
-          </a:fontRef>
-        </p:style>
-        <p:txBody>
-          <a:bodyPr rtlCol="0" anchor="ctr"/>
-          <a:lstStyle/>
-          <a:p>
-            <a:pPr algn="ctr"/>
-            <a:r>
-              <a:rPr lang="en-US" dirty="0"/>
-              <a:t>Calculate CI = P(1+R/n)^</a:t>
-            </a:r>
-            <a:r>
-              <a:rPr lang="en-US" dirty="0" err="1"/>
-              <a:t>nt</a:t>
-            </a:r>
-            <a:endParaRPr lang="en-US" dirty="0"/>
-          </a:p>
-        </p:txBody>
-      </p:sp>
-      <p:cxnSp>
-        <p:nvCxnSpPr>
-          <p:cNvPr id="12" name="Straight Arrow Connector 11">
-            <a:extLst>
-              <a:ext uri="{FF2B5EF4-FFF2-40B4-BE49-F238E27FC236}">
-                <a16:creationId xmlns:a16="http://schemas.microsoft.com/office/drawing/2014/main" id="{98C1A633-19C8-6944-978F-DA100582358C}"/>
-              </a:ext>
-            </a:extLst>
-          </p:cNvPr>
-          <p:cNvCxnSpPr/>
-          <p:nvPr/>
-        </p:nvCxnSpPr>
-        <p:spPr>
-          <a:xfrm>
-            <a:off x="2268416" y="1090246"/>
-            <a:ext cx="0" cy="515815"/>
-          </a:xfrm>
-          <a:prstGeom prst="straightConnector1">
-            <a:avLst/>
-          </a:prstGeom>
-          <a:ln>
-            <a:tailEnd type="triangle"/>
-          </a:ln>
-        </p:spPr>
-        <p:style>
-          <a:lnRef idx="1">
-            <a:schemeClr val="dk1"/>
-          </a:lnRef>
-          <a:fillRef idx="0">
-            <a:schemeClr val="dk1"/>
-          </a:fillRef>
-          <a:effectRef idx="0">
-            <a:schemeClr val="dk1"/>
-          </a:effectRef>
-          <a:fontRef idx="minor">
-            <a:schemeClr val="tx1"/>
-          </a:fontRef>
-        </p:style>
-      </p:cxnSp>
-      <p:cxnSp>
-        <p:nvCxnSpPr>
-          <p:cNvPr id="13" name="Straight Arrow Connector 12">
-            <a:extLst>
-              <a:ext uri="{FF2B5EF4-FFF2-40B4-BE49-F238E27FC236}">
-                <a16:creationId xmlns:a16="http://schemas.microsoft.com/office/drawing/2014/main" id="{9488948D-06EE-7047-B676-91ACFFE34FD2}"/>
-              </a:ext>
-            </a:extLst>
-          </p:cNvPr>
-          <p:cNvCxnSpPr/>
-          <p:nvPr/>
-        </p:nvCxnSpPr>
-        <p:spPr>
-          <a:xfrm>
-            <a:off x="2268416" y="2614247"/>
-            <a:ext cx="0" cy="515815"/>
-          </a:xfrm>
-          <a:prstGeom prst="straightConnector1">
-            <a:avLst/>
-          </a:prstGeom>
-          <a:ln>
-            <a:tailEnd type="triangle"/>
-          </a:ln>
-        </p:spPr>
-        <p:style>
-          <a:lnRef idx="1">
-            <a:schemeClr val="dk1"/>
-          </a:lnRef>
-          <a:fillRef idx="0">
-            <a:schemeClr val="dk1"/>
-          </a:fillRef>
-          <a:effectRef idx="0">
-            <a:schemeClr val="dk1"/>
-          </a:effectRef>
-          <a:fontRef idx="minor">
-            <a:schemeClr val="tx1"/>
-          </a:fontRef>
-        </p:style>
-      </p:cxnSp>
-      <p:cxnSp>
-        <p:nvCxnSpPr>
-          <p:cNvPr id="14" name="Straight Arrow Connector 13">
-            <a:extLst>
-              <a:ext uri="{FF2B5EF4-FFF2-40B4-BE49-F238E27FC236}">
-                <a16:creationId xmlns:a16="http://schemas.microsoft.com/office/drawing/2014/main" id="{8F7C1301-11BF-FB48-8490-B683882A6FCF}"/>
-              </a:ext>
-            </a:extLst>
-          </p:cNvPr>
-          <p:cNvCxnSpPr/>
-          <p:nvPr/>
-        </p:nvCxnSpPr>
-        <p:spPr>
-          <a:xfrm>
-            <a:off x="2268416" y="4079632"/>
-            <a:ext cx="0" cy="515815"/>
-          </a:xfrm>
-          <a:prstGeom prst="straightConnector1">
-            <a:avLst/>
-          </a:prstGeom>
-          <a:ln>
-            <a:tailEnd type="triangle"/>
-          </a:ln>
-        </p:spPr>
-        <p:style>
-          <a:lnRef idx="1">
-            <a:schemeClr val="dk1"/>
-          </a:lnRef>
-          <a:fillRef idx="0">
-            <a:schemeClr val="dk1"/>
-          </a:fillRef>
-          <a:effectRef idx="0">
-            <a:schemeClr val="dk1"/>
-          </a:effectRef>
-          <a:fontRef idx="minor">
-            <a:schemeClr val="tx1"/>
-          </a:fontRef>
-        </p:style>
-      </p:cxnSp>
-      <p:cxnSp>
-        <p:nvCxnSpPr>
-          <p:cNvPr id="15" name="Straight Arrow Connector 14">
-            <a:extLst>
-              <a:ext uri="{FF2B5EF4-FFF2-40B4-BE49-F238E27FC236}">
-                <a16:creationId xmlns:a16="http://schemas.microsoft.com/office/drawing/2014/main" id="{FF241BB0-7D9E-2944-8EA3-FE262D0AC9BB}"/>
-              </a:ext>
-            </a:extLst>
-          </p:cNvPr>
-          <p:cNvCxnSpPr/>
-          <p:nvPr/>
-        </p:nvCxnSpPr>
-        <p:spPr>
-          <a:xfrm>
-            <a:off x="2274278" y="5392617"/>
-            <a:ext cx="0" cy="515815"/>
-          </a:xfrm>
-          <a:prstGeom prst="straightConnector1">
-            <a:avLst/>
-          </a:prstGeom>
-          <a:ln>
-            <a:tailEnd type="triangle"/>
-          </a:ln>
-        </p:spPr>
-        <p:style>
-          <a:lnRef idx="1">
-            <a:schemeClr val="dk1"/>
-          </a:lnRef>
-          <a:fillRef idx="0">
-            <a:schemeClr val="dk1"/>
-          </a:fillRef>
-          <a:effectRef idx="0">
-            <a:schemeClr val="dk1"/>
-          </a:effectRef>
-          <a:fontRef idx="minor">
-            <a:schemeClr val="tx1"/>
-          </a:fontRef>
-        </p:style>
-      </p:cxnSp>
-      <p:cxnSp>
-        <p:nvCxnSpPr>
-          <p:cNvPr id="18" name="Straight Arrow Connector 17">
-            <a:extLst>
-              <a:ext uri="{FF2B5EF4-FFF2-40B4-BE49-F238E27FC236}">
-                <a16:creationId xmlns:a16="http://schemas.microsoft.com/office/drawing/2014/main" id="{A8B743C3-544D-7040-ABF7-FC602563B941}"/>
-              </a:ext>
-            </a:extLst>
-          </p:cNvPr>
-          <p:cNvCxnSpPr/>
-          <p:nvPr/>
-        </p:nvCxnSpPr>
-        <p:spPr>
-          <a:xfrm>
-            <a:off x="7514493" y="6283571"/>
-            <a:ext cx="826477" cy="0"/>
-          </a:xfrm>
-          <a:prstGeom prst="straightConnector1">
-            <a:avLst/>
-          </a:prstGeom>
-          <a:ln>
-            <a:tailEnd type="triangle"/>
-          </a:ln>
-        </p:spPr>
-        <p:style>
-          <a:lnRef idx="1">
-            <a:schemeClr val="dk1"/>
-          </a:lnRef>
-          <a:fillRef idx="0">
-            <a:schemeClr val="dk1"/>
-          </a:fillRef>
-          <a:effectRef idx="0">
-            <a:schemeClr val="dk1"/>
-          </a:effectRef>
-          <a:fontRef idx="minor">
-            <a:schemeClr val="tx1"/>
-          </a:fontRef>
-        </p:style>
-      </p:cxnSp>
-      <p:sp>
-        <p:nvSpPr>
-          <p:cNvPr id="19" name="TextBox 18">
-            <a:extLst>
-              <a:ext uri="{FF2B5EF4-FFF2-40B4-BE49-F238E27FC236}">
-                <a16:creationId xmlns:a16="http://schemas.microsoft.com/office/drawing/2014/main" id="{CC194BC0-8E71-C345-A102-C2E830CA4054}"/>
-              </a:ext>
-            </a:extLst>
-          </p:cNvPr>
-          <p:cNvSpPr txBox="1"/>
-          <p:nvPr/>
-        </p:nvSpPr>
-        <p:spPr>
-          <a:xfrm>
-            <a:off x="937846" y="386863"/>
-            <a:ext cx="2461846" cy="369332"/>
-          </a:xfrm>
-          <a:prstGeom prst="rect">
-            <a:avLst/>
-          </a:prstGeom>
-          <a:noFill/>
-        </p:spPr>
-        <p:txBody>
-          <a:bodyPr wrap="square" rtlCol="0">
-            <a:spAutoFit/>
-          </a:bodyPr>
-          <a:lstStyle/>
-          <a:p>
-            <a:pPr algn="ctr"/>
-            <a:r>
-              <a:rPr lang="en-US" dirty="0"/>
-              <a:t>Start</a:t>
-            </a:r>
-          </a:p>
-        </p:txBody>
-      </p:sp>
-      <p:sp>
-        <p:nvSpPr>
-          <p:cNvPr id="23" name="TextBox 22">
-            <a:extLst>
-              <a:ext uri="{FF2B5EF4-FFF2-40B4-BE49-F238E27FC236}">
-                <a16:creationId xmlns:a16="http://schemas.microsoft.com/office/drawing/2014/main" id="{FFA9D7EC-B2E3-6044-9197-64C313F4CA4A}"/>
-              </a:ext>
-            </a:extLst>
-          </p:cNvPr>
-          <p:cNvSpPr txBox="1"/>
-          <p:nvPr/>
-        </p:nvSpPr>
-        <p:spPr>
-          <a:xfrm>
-            <a:off x="1060936" y="1875639"/>
-            <a:ext cx="2461846" cy="369332"/>
-          </a:xfrm>
-          <a:prstGeom prst="rect">
-            <a:avLst/>
-          </a:prstGeom>
-          <a:noFill/>
-        </p:spPr>
-        <p:txBody>
-          <a:bodyPr wrap="square" rtlCol="0">
-            <a:spAutoFit/>
-          </a:bodyPr>
-          <a:lstStyle/>
-          <a:p>
-            <a:pPr algn="ctr"/>
-            <a:r>
-              <a:rPr lang="en-US" dirty="0"/>
-              <a:t>Input P</a:t>
-            </a:r>
-          </a:p>
-        </p:txBody>
-      </p:sp>
-      <p:sp>
-        <p:nvSpPr>
-          <p:cNvPr id="24" name="TextBox 23">
-            <a:extLst>
-              <a:ext uri="{FF2B5EF4-FFF2-40B4-BE49-F238E27FC236}">
-                <a16:creationId xmlns:a16="http://schemas.microsoft.com/office/drawing/2014/main" id="{970DD6B3-6CCB-504D-8F32-48567162CD87}"/>
-              </a:ext>
-            </a:extLst>
-          </p:cNvPr>
-          <p:cNvSpPr txBox="1"/>
-          <p:nvPr/>
-        </p:nvSpPr>
-        <p:spPr>
-          <a:xfrm>
-            <a:off x="1060936" y="3330390"/>
-            <a:ext cx="2461846" cy="369332"/>
-          </a:xfrm>
-          <a:prstGeom prst="rect">
-            <a:avLst/>
-          </a:prstGeom>
-          <a:noFill/>
-        </p:spPr>
-        <p:txBody>
-          <a:bodyPr wrap="square" rtlCol="0">
-            <a:spAutoFit/>
-          </a:bodyPr>
-          <a:lstStyle/>
-          <a:p>
-            <a:pPr algn="ctr"/>
-            <a:r>
-              <a:rPr lang="en-US" dirty="0"/>
-              <a:t>Input R</a:t>
-            </a:r>
-          </a:p>
-        </p:txBody>
-      </p:sp>
-      <p:sp>
-        <p:nvSpPr>
-          <p:cNvPr id="25" name="TextBox 24">
-            <a:extLst>
-              <a:ext uri="{FF2B5EF4-FFF2-40B4-BE49-F238E27FC236}">
-                <a16:creationId xmlns:a16="http://schemas.microsoft.com/office/drawing/2014/main" id="{08950137-0E4D-4A41-B24A-1A15BE6E12C9}"/>
-              </a:ext>
-            </a:extLst>
-          </p:cNvPr>
-          <p:cNvSpPr txBox="1"/>
-          <p:nvPr/>
-        </p:nvSpPr>
-        <p:spPr>
-          <a:xfrm>
-            <a:off x="1016974" y="4818130"/>
-            <a:ext cx="2461846" cy="369332"/>
-          </a:xfrm>
-          <a:prstGeom prst="rect">
-            <a:avLst/>
-          </a:prstGeom>
-          <a:noFill/>
-        </p:spPr>
-        <p:txBody>
-          <a:bodyPr wrap="square" rtlCol="0">
-            <a:spAutoFit/>
-          </a:bodyPr>
-          <a:lstStyle/>
-          <a:p>
-            <a:pPr algn="ctr"/>
-            <a:r>
-              <a:rPr lang="en-US" dirty="0"/>
-              <a:t>Input T</a:t>
-            </a:r>
-          </a:p>
-        </p:txBody>
-      </p:sp>
-      <p:sp>
-        <p:nvSpPr>
-          <p:cNvPr id="28" name="TextBox 27">
-            <a:extLst>
-              <a:ext uri="{FF2B5EF4-FFF2-40B4-BE49-F238E27FC236}">
-                <a16:creationId xmlns:a16="http://schemas.microsoft.com/office/drawing/2014/main" id="{37779E02-1649-6146-B4E9-D9F6D9E40BB6}"/>
-              </a:ext>
-            </a:extLst>
-          </p:cNvPr>
-          <p:cNvSpPr txBox="1"/>
-          <p:nvPr/>
-        </p:nvSpPr>
-        <p:spPr>
-          <a:xfrm>
-            <a:off x="8528545" y="6098905"/>
-            <a:ext cx="2461846" cy="369332"/>
-          </a:xfrm>
-          <a:prstGeom prst="rect">
-            <a:avLst/>
-          </a:prstGeom>
-          <a:noFill/>
-        </p:spPr>
-        <p:txBody>
-          <a:bodyPr wrap="square" rtlCol="0">
-            <a:spAutoFit/>
-          </a:bodyPr>
-          <a:lstStyle/>
-          <a:p>
-            <a:pPr algn="ctr"/>
-            <a:r>
-              <a:rPr lang="en-US" dirty="0"/>
-              <a:t>End</a:t>
-            </a:r>
-          </a:p>
-        </p:txBody>
-      </p:sp>
-      <p:sp>
-        <p:nvSpPr>
-          <p:cNvPr id="29" name="Rectangle 28">
-            <a:extLst>
-              <a:ext uri="{FF2B5EF4-FFF2-40B4-BE49-F238E27FC236}">
-                <a16:creationId xmlns:a16="http://schemas.microsoft.com/office/drawing/2014/main" id="{D9A2AB38-D2EA-F846-B611-8DBB22787E6F}"/>
-              </a:ext>
-            </a:extLst>
-          </p:cNvPr>
-          <p:cNvSpPr/>
-          <p:nvPr/>
-        </p:nvSpPr>
-        <p:spPr>
-          <a:xfrm>
-            <a:off x="1008185" y="5908432"/>
-            <a:ext cx="2520461" cy="797170"/>
-          </a:xfrm>
-          <a:prstGeom prst="rect">
-            <a:avLst/>
-          </a:prstGeom>
-        </p:spPr>
-        <p:style>
-          <a:lnRef idx="2">
-            <a:schemeClr val="accent6"/>
-          </a:lnRef>
-          <a:fillRef idx="1">
-            <a:schemeClr val="lt1"/>
-          </a:fillRef>
-          <a:effectRef idx="0">
-            <a:schemeClr val="accent6"/>
-          </a:effectRef>
-          <a:fontRef idx="minor">
-            <a:schemeClr val="dk1"/>
-          </a:fontRef>
-        </p:style>
-        <p:txBody>
-          <a:bodyPr rtlCol="0" anchor="ctr"/>
-          <a:lstStyle/>
-          <a:p>
-            <a:pPr algn="ctr"/>
-            <a:endParaRPr lang="en-US"/>
-          </a:p>
-        </p:txBody>
-      </p:sp>
-      <p:sp>
-        <p:nvSpPr>
-          <p:cNvPr id="30" name="TextBox 29">
-            <a:extLst>
-              <a:ext uri="{FF2B5EF4-FFF2-40B4-BE49-F238E27FC236}">
-                <a16:creationId xmlns:a16="http://schemas.microsoft.com/office/drawing/2014/main" id="{98338BC8-4FB2-8E44-89E0-E8717D5552B8}"/>
-              </a:ext>
-            </a:extLst>
-          </p:cNvPr>
-          <p:cNvSpPr txBox="1"/>
-          <p:nvPr/>
-        </p:nvSpPr>
-        <p:spPr>
-          <a:xfrm>
-            <a:off x="967158" y="6195537"/>
-            <a:ext cx="2461846" cy="369332"/>
-          </a:xfrm>
-          <a:prstGeom prst="rect">
-            <a:avLst/>
-          </a:prstGeom>
-          <a:noFill/>
-        </p:spPr>
-        <p:txBody>
-          <a:bodyPr wrap="square" rtlCol="0">
-            <a:spAutoFit/>
-          </a:bodyPr>
-          <a:lstStyle/>
-          <a:p>
-            <a:pPr algn="ctr"/>
-            <a:r>
-              <a:rPr lang="en-US" dirty="0"/>
-              <a:t>Input n</a:t>
-            </a:r>
-          </a:p>
-        </p:txBody>
-      </p:sp>
-      <p:cxnSp>
-        <p:nvCxnSpPr>
-          <p:cNvPr id="31" name="Straight Arrow Connector 30">
-            <a:extLst>
-              <a:ext uri="{FF2B5EF4-FFF2-40B4-BE49-F238E27FC236}">
-                <a16:creationId xmlns:a16="http://schemas.microsoft.com/office/drawing/2014/main" id="{1A5BA4BA-8C07-8B4C-A68A-362A0F229F76}"/>
-              </a:ext>
-            </a:extLst>
-          </p:cNvPr>
-          <p:cNvCxnSpPr/>
-          <p:nvPr/>
-        </p:nvCxnSpPr>
-        <p:spPr>
-          <a:xfrm>
-            <a:off x="3552090" y="6307019"/>
-            <a:ext cx="826477" cy="0"/>
-          </a:xfrm>
-          <a:prstGeom prst="straightConnector1">
-            <a:avLst/>
-          </a:prstGeom>
-          <a:ln>
-            <a:tailEnd type="triangle"/>
-          </a:ln>
-        </p:spPr>
-        <p:style>
-          <a:lnRef idx="1">
-            <a:schemeClr val="dk1"/>
-          </a:lnRef>
-          <a:fillRef idx="0">
-            <a:schemeClr val="dk1"/>
-          </a:fillRef>
-          <a:effectRef idx="0">
-            <a:schemeClr val="dk1"/>
-          </a:effectRef>
-          <a:fontRef idx="minor">
-            <a:schemeClr val="tx1"/>
-          </a:fontRef>
-        </p:style>
-      </p:cxnSp>
-    </p:spTree>
-    <p:extLst>
-      <p:ext uri="{BB962C8B-B14F-4D97-AF65-F5344CB8AC3E}">
-        <p14:creationId xmlns:p14="http://schemas.microsoft.com/office/powerpoint/2010/main" val="27623614"/>
-      </p:ext>
-    </p:extLst>
-  </p:cSld>
-  <p:clrMapOvr>
-    <a:masterClrMapping/>
-  </p:clrMapOvr>
-</p:sld>
-</file>
-
-<file path=ppt/slides/slide3.xml><?xml version="1.0" encoding="utf-8"?>
-<p:sld xmlns:a="http://schemas.openxmlformats.org/drawingml/2006/main" xmlns:r="http://schemas.openxmlformats.org/officeDocument/2006/relationships" xmlns:p="http://schemas.openxmlformats.org/presentationml/2006/main">
-  <p:cSld>
-    <p:spTree>
-      <p:nvGrpSpPr>
-        <p:cNvPr id="1" name=""/>
-        <p:cNvGrpSpPr/>
-        <p:nvPr/>
-      </p:nvGrpSpPr>
-      <p:grpSpPr>
-        <a:xfrm>
-          <a:off x="0" y="0"/>
-          <a:ext cx="0" cy="0"/>
-          <a:chOff x="0" y="0"/>
-          <a:chExt cx="0" cy="0"/>
-        </a:xfrm>
-      </p:grpSpPr>
-      <p:sp>
-        <p:nvSpPr>
           <p:cNvPr id="5" name="Rectangle 4">
             <a:extLst>
               <a:ext uri="{FF2B5EF4-FFF2-40B4-BE49-F238E27FC236}">
